--- a/Progress/2015-11-25_Progress_Report.pptx
+++ b/Progress/2015-11-25_Progress_Report.pptx
@@ -215,7 +215,7 @@
             <a:fld id="{F7BD641D-9A9D-4171-B60C-77A966F66B4B}" type="datetimeFigureOut">
               <a:rPr lang="en-US" smtClean="0"/>
               <a:pPr/>
-              <a:t>11/23/2015</a:t>
+              <a:t>11/24/2015</a:t>
             </a:fld>
             <a:endParaRPr lang="en-US" dirty="0"/>
           </a:p>
@@ -983,7 +983,8 @@
             <a:noAutofit/>
           </a:bodyPr>
           <a:lstStyle>
-            <a:lvl1pPr>
+            <a:lvl1pPr marL="438912" indent="-320040">
+              <a:buNone/>
               <a:defRPr lang="en-US" dirty="0">
                 <a:solidFill>
                   <a:srgbClr val="FFC000"/>
@@ -994,10 +995,7 @@
             </a:lvl1pPr>
           </a:lstStyle>
           <a:p>
-            <a:pPr marL="118872" lvl="0" indent="0">
-              <a:buFontTx/>
-              <a:buNone/>
-            </a:pPr>
+            <a:pPr marL="118872" lvl="0" indent="0"/>
             <a:endParaRPr lang="en-US" dirty="0">
               <a:solidFill>
                 <a:srgbClr val="FFC000"/>
@@ -1059,7 +1057,7 @@
           <a:p>
             <a:fld id="{1F862712-0EAA-4B24-9EC7-9E36D5775037}" type="datetime1">
               <a:rPr lang="en-US" altLang="zh-TW" smtClean="0"/>
-              <a:t>11/23/2015</a:t>
+              <a:t>11/24/2015</a:t>
             </a:fld>
             <a:endParaRPr lang="en-US" dirty="0"/>
           </a:p>
@@ -1236,7 +1234,7 @@
           <a:p>
             <a:fld id="{3CEF2791-2FDD-494D-BB6B-5C6E4D786EF9}" type="datetime1">
               <a:rPr lang="en-US" altLang="zh-TW" smtClean="0"/>
-              <a:t>11/23/2015</a:t>
+              <a:t>11/24/2015</a:t>
             </a:fld>
             <a:endParaRPr lang="en-US" dirty="0"/>
           </a:p>
@@ -1524,7 +1522,7 @@
           <a:p>
             <a:fld id="{C60EF7C1-B2BF-4087-B979-9ED821F5CB27}" type="datetime1">
               <a:rPr lang="en-US" altLang="zh-TW" smtClean="0"/>
-              <a:t>11/23/2015</a:t>
+              <a:t>11/24/2015</a:t>
             </a:fld>
             <a:endParaRPr lang="en-US" dirty="0"/>
           </a:p>
@@ -1711,7 +1709,7 @@
           <a:p>
             <a:fld id="{5BBCF648-D6A8-4616-837F-92321703E524}" type="datetime1">
               <a:rPr lang="en-US" altLang="zh-TW" smtClean="0"/>
-              <a:t>11/23/2015</a:t>
+              <a:t>11/24/2015</a:t>
             </a:fld>
             <a:endParaRPr lang="en-US" dirty="0"/>
           </a:p>
@@ -2072,7 +2070,7 @@
           <a:p>
             <a:fld id="{BC82D0EC-25CF-4E16-A20A-DCD5AFD12D04}" type="datetime1">
               <a:rPr lang="en-US" altLang="zh-TW" smtClean="0"/>
-              <a:t>11/23/2015</a:t>
+              <a:t>11/24/2015</a:t>
             </a:fld>
             <a:endParaRPr lang="en-US" dirty="0"/>
           </a:p>
@@ -2367,7 +2365,7 @@
           <a:p>
             <a:fld id="{9DE839BD-CC3A-456C-80D9-436965355135}" type="datetime1">
               <a:rPr lang="en-US" altLang="zh-TW" smtClean="0"/>
-              <a:t>11/23/2015</a:t>
+              <a:t>11/24/2015</a:t>
             </a:fld>
             <a:endParaRPr lang="en-US" dirty="0"/>
           </a:p>
@@ -2797,7 +2795,7 @@
           <a:p>
             <a:fld id="{56637976-EA0B-4C00-A409-14178D2C586A}" type="datetime1">
               <a:rPr lang="en-US" altLang="zh-TW" smtClean="0"/>
-              <a:t>11/23/2015</a:t>
+              <a:t>11/24/2015</a:t>
             </a:fld>
             <a:endParaRPr lang="en-US" dirty="0"/>
           </a:p>
@@ -2913,7 +2911,7 @@
           <a:p>
             <a:fld id="{E6B3C412-4571-4EFA-8A74-F6353CBDA582}" type="datetime1">
               <a:rPr lang="en-US" altLang="zh-TW" smtClean="0"/>
-              <a:t>11/23/2015</a:t>
+              <a:t>11/24/2015</a:t>
             </a:fld>
             <a:endParaRPr lang="en-US" dirty="0"/>
           </a:p>
@@ -3011,7 +3009,7 @@
           <a:p>
             <a:fld id="{5A859648-26E5-44B2-88EE-281EB784213A}" type="datetime1">
               <a:rPr lang="en-US" altLang="zh-TW" smtClean="0"/>
-              <a:t>11/23/2015</a:t>
+              <a:t>11/24/2015</a:t>
             </a:fld>
             <a:endParaRPr lang="en-US" dirty="0"/>
           </a:p>
@@ -3297,7 +3295,7 @@
           <a:p>
             <a:fld id="{B12D5D9A-AE13-4A6C-B6D6-202CC90B0F65}" type="datetime1">
               <a:rPr lang="en-US" altLang="zh-TW" smtClean="0"/>
-              <a:t>11/23/2015</a:t>
+              <a:t>11/24/2015</a:t>
             </a:fld>
             <a:endParaRPr lang="en-US" dirty="0"/>
           </a:p>
@@ -3666,7 +3664,7 @@
           <a:p>
             <a:fld id="{72E81E13-8CAF-4834-BDBC-B76C96F69918}" type="datetime1">
               <a:rPr lang="en-US" altLang="zh-TW" smtClean="0"/>
-              <a:t>11/23/2015</a:t>
+              <a:t>11/24/2015</a:t>
             </a:fld>
             <a:endParaRPr lang="en-US" dirty="0"/>
           </a:p>
@@ -4051,11 +4049,7 @@
             <a:pPr lvl="0" eaLnBrk="1" latinLnBrk="0" hangingPunct="1"/>
             <a:r>
               <a:rPr kumimoji="0" lang="zh-TW" altLang="en-US" dirty="0" smtClean="0"/>
-              <a:t>按一下以編輯母片文字</a:t>
-            </a:r>
-            <a:r>
-              <a:rPr kumimoji="0" lang="zh-TW" altLang="en-US" dirty="0" smtClean="0"/>
-              <a:t>樣式</a:t>
+              <a:t>按一下以編輯母片文字樣式</a:t>
             </a:r>
             <a:r>
               <a:rPr kumimoji="0" lang="en-US" altLang="zh-TW" dirty="0" smtClean="0"/>
@@ -4130,7 +4124,7 @@
           <a:p>
             <a:fld id="{1F862712-0EAA-4B24-9EC7-9E36D5775037}" type="datetime1">
               <a:rPr lang="en-US" altLang="zh-TW" smtClean="0"/>
-              <a:t>11/23/2015</a:t>
+              <a:t>11/24/2015</a:t>
             </a:fld>
             <a:endParaRPr lang="en-US" dirty="0"/>
           </a:p>
@@ -4264,9 +4258,15 @@
     </p:titleStyle>
     <p:bodyStyle>
       <a:lvl1pPr marL="438912" indent="-320040" algn="l" rtl="0" eaLnBrk="1" latinLnBrk="0" hangingPunct="1">
+        <a:lnSpc>
+          <a:spcPct val="100000"/>
+        </a:lnSpc>
         <a:spcBef>
           <a:spcPts val="0"/>
         </a:spcBef>
+        <a:spcAft>
+          <a:spcPts val="600"/>
+        </a:spcAft>
         <a:buClr>
           <a:schemeClr val="accent1"/>
         </a:buClr>
@@ -4283,9 +4283,15 @@
         </a:defRPr>
       </a:lvl1pPr>
       <a:lvl2pPr marL="731520" indent="-274320" algn="l" rtl="0" eaLnBrk="1" latinLnBrk="0" hangingPunct="1">
+        <a:lnSpc>
+          <a:spcPct val="100000"/>
+        </a:lnSpc>
         <a:spcBef>
-          <a:spcPct val="20000"/>
+          <a:spcPts val="0"/>
         </a:spcBef>
+        <a:spcAft>
+          <a:spcPts val="600"/>
+        </a:spcAft>
         <a:buClr>
           <a:schemeClr val="accent2"/>
         </a:buClr>
@@ -4302,9 +4308,15 @@
         </a:defRPr>
       </a:lvl2pPr>
       <a:lvl3pPr marL="996696" indent="-228600" algn="l" rtl="0" eaLnBrk="1" latinLnBrk="0" hangingPunct="1">
+        <a:lnSpc>
+          <a:spcPct val="100000"/>
+        </a:lnSpc>
         <a:spcBef>
-          <a:spcPct val="20000"/>
+          <a:spcPts val="0"/>
         </a:spcBef>
+        <a:spcAft>
+          <a:spcPts val="600"/>
+        </a:spcAft>
         <a:buClr>
           <a:schemeClr val="accent3"/>
         </a:buClr>
@@ -4320,9 +4332,15 @@
         </a:defRPr>
       </a:lvl3pPr>
       <a:lvl4pPr marL="1216152" indent="-182880" algn="l" rtl="0" eaLnBrk="1" latinLnBrk="0" hangingPunct="1">
+        <a:lnSpc>
+          <a:spcPct val="100000"/>
+        </a:lnSpc>
         <a:spcBef>
-          <a:spcPct val="20000"/>
+          <a:spcPts val="0"/>
         </a:spcBef>
+        <a:spcAft>
+          <a:spcPts val="600"/>
+        </a:spcAft>
         <a:buClr>
           <a:schemeClr val="accent4"/>
         </a:buClr>
@@ -4338,9 +4356,15 @@
         </a:defRPr>
       </a:lvl4pPr>
       <a:lvl5pPr marL="1426464" indent="-182880" algn="l" rtl="0" eaLnBrk="1" latinLnBrk="0" hangingPunct="1">
+        <a:lnSpc>
+          <a:spcPct val="100000"/>
+        </a:lnSpc>
         <a:spcBef>
-          <a:spcPct val="20000"/>
+          <a:spcPts val="0"/>
         </a:spcBef>
+        <a:spcAft>
+          <a:spcPts val="600"/>
+        </a:spcAft>
         <a:buClr>
           <a:schemeClr val="accent5"/>
         </a:buClr>
@@ -4725,7 +4749,7 @@
       </p:cxnSp>
       <p:sp>
         <p:nvSpPr>
-          <p:cNvPr id="12" name="副標題 11"/>
+          <p:cNvPr id="4" name="副標題 3"/>
           <p:cNvSpPr>
             <a:spLocks noGrp="1"/>
           </p:cNvSpPr>
@@ -4738,9 +4762,6 @@
           <a:bodyPr/>
           <a:lstStyle/>
           <a:p>
-            <a:pPr marL="118872" indent="0">
-              <a:buNone/>
-            </a:pPr>
             <a:endParaRPr lang="zh-TW" altLang="en-US" dirty="0"/>
           </a:p>
         </p:txBody>
@@ -4761,15 +4782,15 @@
           <a:lstStyle/>
           <a:p>
             <a:r>
-              <a:rPr lang="en-US" smtClean="0"/>
+              <a:rPr lang="en-US" dirty="0" smtClean="0"/>
               <a:t>11/</a:t>
             </a:r>
             <a:r>
-              <a:rPr lang="en-US" altLang="zh-TW" smtClean="0"/>
+              <a:rPr lang="en-US" altLang="zh-TW" dirty="0" smtClean="0"/>
               <a:t>25</a:t>
             </a:r>
             <a:r>
-              <a:rPr lang="en-US" smtClean="0"/>
+              <a:rPr lang="en-US" dirty="0" smtClean="0"/>
               <a:t> Progress Report</a:t>
             </a:r>
             <a:endParaRPr lang="en-US" dirty="0"/>
@@ -5061,7 +5082,18 @@
           <a:p>
             <a:r>
               <a:rPr lang="zh-TW" altLang="en-US" dirty="0" smtClean="0"/>
-              <a:t>地圖相對位置辨識</a:t>
+              <a:t>遊戲雛形</a:t>
+            </a:r>
+            <a:endParaRPr lang="en-US" altLang="zh-TW" dirty="0" smtClean="0"/>
+          </a:p>
+          <a:p>
+            <a:r>
+              <a:rPr lang="zh-TW" altLang="en-US" dirty="0" smtClean="0"/>
+              <a:t>地圖</a:t>
+            </a:r>
+            <a:r>
+              <a:rPr lang="zh-TW" altLang="en-US" dirty="0" smtClean="0"/>
+              <a:t>相對位置辨識</a:t>
             </a:r>
             <a:endParaRPr lang="en-US" altLang="zh-TW" dirty="0" smtClean="0"/>
           </a:p>
@@ -5191,7 +5223,7 @@
           <a:bodyPr/>
           <a:lstStyle/>
           <a:p>
-            <a:endParaRPr lang="zh-TW" altLang="en-US"/>
+            <a:endParaRPr lang="zh-TW" altLang="en-US" dirty="0"/>
           </a:p>
         </p:txBody>
       </p:sp>

--- a/Progress/2015-11-25_Progress_Report.pptx
+++ b/Progress/2015-11-25_Progress_Report.pptx
@@ -11,7 +11,7 @@
     <p:sldId id="256" r:id="rId2"/>
     <p:sldId id="276" r:id="rId3"/>
     <p:sldId id="272" r:id="rId4"/>
-    <p:sldId id="259" r:id="rId5"/>
+    <p:sldId id="277" r:id="rId5"/>
     <p:sldId id="273" r:id="rId6"/>
     <p:sldId id="275" r:id="rId7"/>
     <p:sldId id="274" r:id="rId8"/>
@@ -4061,8 +4061,13 @@
             <a:pPr lvl="1" eaLnBrk="1" latinLnBrk="0" hangingPunct="1"/>
             <a:r>
               <a:rPr kumimoji="0" lang="zh-TW" altLang="en-US" dirty="0" smtClean="0"/>
-              <a:t>第二層</a:t>
-            </a:r>
+              <a:t>第</a:t>
+            </a:r>
+            <a:r>
+              <a:rPr kumimoji="0" lang="zh-TW" altLang="en-US" dirty="0" smtClean="0"/>
+              <a:t>二層</a:t>
+            </a:r>
+            <a:endParaRPr kumimoji="0" lang="zh-TW" altLang="en-US" dirty="0" smtClean="0"/>
           </a:p>
           <a:p>
             <a:pPr lvl="2" eaLnBrk="1" latinLnBrk="0" hangingPunct="1"/>
@@ -4262,7 +4267,7 @@
           <a:spcPct val="100000"/>
         </a:lnSpc>
         <a:spcBef>
-          <a:spcPts val="0"/>
+          <a:spcPts val="600"/>
         </a:spcBef>
         <a:spcAft>
           <a:spcPts val="600"/>
@@ -4287,7 +4292,7 @@
           <a:spcPct val="100000"/>
         </a:lnSpc>
         <a:spcBef>
-          <a:spcPts val="0"/>
+          <a:spcPts val="600"/>
         </a:spcBef>
         <a:spcAft>
           <a:spcPts val="600"/>
@@ -4312,7 +4317,7 @@
           <a:spcPct val="100000"/>
         </a:lnSpc>
         <a:spcBef>
-          <a:spcPts val="0"/>
+          <a:spcPts val="600"/>
         </a:spcBef>
         <a:spcAft>
           <a:spcPts val="600"/>
@@ -4336,7 +4341,7 @@
           <a:spcPct val="100000"/>
         </a:lnSpc>
         <a:spcBef>
-          <a:spcPts val="0"/>
+          <a:spcPts val="600"/>
         </a:spcBef>
         <a:spcAft>
           <a:spcPts val="600"/>
@@ -4360,7 +4365,7 @@
           <a:spcPct val="100000"/>
         </a:lnSpc>
         <a:spcBef>
-          <a:spcPts val="0"/>
+          <a:spcPts val="600"/>
         </a:spcBef>
         <a:spcAft>
           <a:spcPts val="600"/>
@@ -4749,7 +4754,7 @@
       </p:cxnSp>
       <p:sp>
         <p:nvSpPr>
-          <p:cNvPr id="4" name="副標題 3"/>
+          <p:cNvPr id="7" name="副標題 6"/>
           <p:cNvSpPr>
             <a:spLocks noGrp="1"/>
           </p:cNvSpPr>
@@ -4782,15 +4787,15 @@
           <a:lstStyle/>
           <a:p>
             <a:r>
-              <a:rPr lang="en-US" dirty="0" smtClean="0"/>
+              <a:rPr lang="en-US" smtClean="0"/>
               <a:t>11/</a:t>
             </a:r>
             <a:r>
-              <a:rPr lang="en-US" altLang="zh-TW" dirty="0" smtClean="0"/>
+              <a:rPr lang="en-US" altLang="zh-TW" smtClean="0"/>
               <a:t>25</a:t>
             </a:r>
             <a:r>
-              <a:rPr lang="en-US" dirty="0" smtClean="0"/>
+              <a:rPr lang="en-US" smtClean="0"/>
               <a:t> Progress Report</a:t>
             </a:r>
             <a:endParaRPr lang="en-US" dirty="0"/>
@@ -5082,18 +5087,45 @@
           <a:p>
             <a:r>
               <a:rPr lang="zh-TW" altLang="en-US" dirty="0" smtClean="0"/>
-              <a:t>遊戲雛形</a:t>
+              <a:t>遊戲</a:t>
+            </a:r>
+            <a:r>
+              <a:rPr lang="zh-TW" altLang="en-US" dirty="0" smtClean="0"/>
+              <a:t>雛形</a:t>
+            </a:r>
+            <a:r>
+              <a:rPr lang="zh-TW" altLang="en-US" dirty="0" smtClean="0"/>
+              <a:t>與美</a:t>
+            </a:r>
+            <a:r>
+              <a:rPr lang="zh-TW" altLang="en-US" dirty="0"/>
+              <a:t>術</a:t>
             </a:r>
             <a:endParaRPr lang="en-US" altLang="zh-TW" dirty="0" smtClean="0"/>
           </a:p>
           <a:p>
             <a:r>
               <a:rPr lang="zh-TW" altLang="en-US" dirty="0" smtClean="0"/>
-              <a:t>地圖</a:t>
+              <a:t>地圖與防禦塔</a:t>
+            </a:r>
+            <a:r>
+              <a:rPr lang="en-US" altLang="zh-TW" dirty="0" smtClean="0"/>
+              <a:t>marker</a:t>
             </a:r>
             <a:r>
               <a:rPr lang="zh-TW" altLang="en-US" dirty="0" smtClean="0"/>
-              <a:t>相對位置辨識</a:t>
+              <a:t>辨識</a:t>
+            </a:r>
+            <a:endParaRPr lang="en-US" altLang="zh-TW" dirty="0" smtClean="0"/>
+          </a:p>
+          <a:p>
+            <a:r>
+              <a:rPr lang="en-US" altLang="zh-TW" dirty="0" smtClean="0"/>
+              <a:t>AR</a:t>
+            </a:r>
+            <a:r>
+              <a:rPr lang="zh-TW" altLang="en-US" dirty="0" smtClean="0"/>
+              <a:t>與遊戲初步整合與測試</a:t>
             </a:r>
             <a:endParaRPr lang="en-US" altLang="zh-TW" dirty="0" smtClean="0"/>
           </a:p>
@@ -5201,8 +5233,24 @@
           <a:lstStyle/>
           <a:p>
             <a:r>
-              <a:rPr lang="en-US" altLang="zh-TW" smtClean="0"/>
-              <a:t>Towers</a:t>
+              <a:rPr lang="en-US" altLang="zh-TW" dirty="0" smtClean="0"/>
+              <a:t>Tower</a:t>
+            </a:r>
+            <a:r>
+              <a:rPr lang="zh-TW" altLang="en-US" dirty="0" smtClean="0"/>
+              <a:t> </a:t>
+            </a:r>
+            <a:r>
+              <a:rPr lang="en-US" altLang="zh-TW" dirty="0" smtClean="0"/>
+              <a:t>&amp;</a:t>
+            </a:r>
+            <a:r>
+              <a:rPr lang="zh-TW" altLang="en-US" dirty="0" smtClean="0"/>
+              <a:t> </a:t>
+            </a:r>
+            <a:r>
+              <a:rPr lang="en-US" altLang="zh-TW" dirty="0" smtClean="0"/>
+              <a:t>Enemy</a:t>
             </a:r>
             <a:endParaRPr lang="zh-TW" altLang="en-US" dirty="0"/>
           </a:p>
@@ -5309,7 +5357,7 @@
       </p:grpSpPr>
       <p:sp>
         <p:nvSpPr>
-          <p:cNvPr id="2" name="Title 1"/>
+          <p:cNvPr id="2" name="標題 1"/>
           <p:cNvSpPr>
             <a:spLocks noGrp="1"/>
           </p:cNvSpPr>
@@ -5323,54 +5371,91 @@
           <a:lstStyle/>
           <a:p>
             <a:r>
-              <a:rPr lang="en-US" smtClean="0"/>
-              <a:t>Gameplay</a:t>
-            </a:r>
+              <a:rPr lang="en-US" altLang="zh-TW" dirty="0" smtClean="0"/>
+              <a:t>Problem</a:t>
+            </a:r>
+            <a:endParaRPr lang="zh-TW" altLang="en-US" dirty="0"/>
+          </a:p>
+        </p:txBody>
+      </p:sp>
+      <p:sp>
+        <p:nvSpPr>
+          <p:cNvPr id="3" name="內容版面配置區 2"/>
+          <p:cNvSpPr>
+            <a:spLocks noGrp="1"/>
+          </p:cNvSpPr>
+          <p:nvPr>
+            <p:ph idx="1"/>
+          </p:nvPr>
+        </p:nvSpPr>
+        <p:spPr/>
+        <p:txBody>
+          <a:bodyPr/>
+          <a:lstStyle/>
+          <a:p>
+            <a:r>
+              <a:rPr lang="zh-TW" altLang="en-US" dirty="0" smtClean="0"/>
+              <a:t>物件晃</a:t>
+            </a:r>
+            <a:r>
+              <a:rPr lang="zh-TW" altLang="en-US" dirty="0"/>
+              <a:t>動</a:t>
+            </a:r>
+            <a:endParaRPr lang="en-US" altLang="zh-TW" dirty="0" smtClean="0"/>
+          </a:p>
+          <a:p>
+            <a:r>
+              <a:rPr lang="zh-TW" altLang="en-US" dirty="0" smtClean="0"/>
+              <a:t>防禦</a:t>
+            </a:r>
+            <a:r>
+              <a:rPr lang="zh-TW" altLang="en-US" dirty="0"/>
+              <a:t>塔未即時跟隨</a:t>
+            </a:r>
+            <a:r>
+              <a:rPr lang="en-US" altLang="zh-TW" dirty="0"/>
+              <a:t>marker</a:t>
+            </a:r>
+            <a:r>
+              <a:rPr lang="zh-TW" altLang="en-US" dirty="0" smtClean="0"/>
+              <a:t>移動</a:t>
+            </a:r>
+            <a:endParaRPr lang="en-US" altLang="zh-TW" dirty="0" smtClean="0"/>
+          </a:p>
+          <a:p>
+            <a:r>
+              <a:rPr lang="zh-TW" altLang="en-US" dirty="0" smtClean="0"/>
+              <a:t>實際物件與虛擬物件比例關係的調整</a:t>
+            </a:r>
+            <a:endParaRPr lang="en-US" altLang="zh-TW" dirty="0" smtClean="0"/>
+          </a:p>
+          <a:p>
+            <a:endParaRPr lang="en-US" altLang="zh-TW" dirty="0"/>
+          </a:p>
+        </p:txBody>
+      </p:sp>
+      <p:sp>
+        <p:nvSpPr>
+          <p:cNvPr id="4" name="頁尾版面配置區 3"/>
+          <p:cNvSpPr>
+            <a:spLocks noGrp="1"/>
+          </p:cNvSpPr>
+          <p:nvPr>
+            <p:ph type="ftr" sz="quarter" idx="11"/>
+          </p:nvPr>
+        </p:nvSpPr>
+        <p:spPr/>
+        <p:txBody>
+          <a:bodyPr/>
+          <a:lstStyle/>
+          <a:p>
             <a:endParaRPr lang="en-US" dirty="0"/>
           </a:p>
         </p:txBody>
       </p:sp>
       <p:sp>
         <p:nvSpPr>
-          <p:cNvPr id="9" name="內容版面配置區 8"/>
-          <p:cNvSpPr>
-            <a:spLocks noGrp="1"/>
-          </p:cNvSpPr>
-          <p:nvPr>
-            <p:ph idx="1"/>
-          </p:nvPr>
-        </p:nvSpPr>
-        <p:spPr/>
-        <p:txBody>
-          <a:bodyPr/>
-          <a:lstStyle/>
-          <a:p>
-            <a:endParaRPr lang="zh-TW" altLang="en-US"/>
-          </a:p>
-        </p:txBody>
-      </p:sp>
-      <p:sp>
-        <p:nvSpPr>
-          <p:cNvPr id="4" name="Footer Placeholder 3"/>
-          <p:cNvSpPr>
-            <a:spLocks noGrp="1"/>
-          </p:cNvSpPr>
-          <p:nvPr>
-            <p:ph type="ftr" sz="quarter" idx="11"/>
-          </p:nvPr>
-        </p:nvSpPr>
-        <p:spPr/>
-        <p:txBody>
-          <a:bodyPr/>
-          <a:lstStyle/>
-          <a:p>
-            <a:endParaRPr lang="en-US" dirty="0"/>
-          </a:p>
-        </p:txBody>
-      </p:sp>
-      <p:sp>
-        <p:nvSpPr>
-          <p:cNvPr id="5" name="Slide Number Placeholder 4"/>
+          <p:cNvPr id="5" name="投影片編號版面配置區 4"/>
           <p:cNvSpPr>
             <a:spLocks noGrp="1"/>
           </p:cNvSpPr>
@@ -5395,20 +5480,13 @@
     </p:spTree>
     <p:extLst>
       <p:ext uri="{BB962C8B-B14F-4D97-AF65-F5344CB8AC3E}">
-        <p14:creationId xmlns:p14="http://schemas.microsoft.com/office/powerpoint/2010/main" val="2329345765"/>
+        <p14:creationId xmlns:p14="http://schemas.microsoft.com/office/powerpoint/2010/main" val="2289039245"/>
       </p:ext>
     </p:extLst>
   </p:cSld>
   <p:clrMapOvr>
     <a:masterClrMapping/>
   </p:clrMapOvr>
-  <p:timing>
-    <p:tnLst>
-      <p:par>
-        <p:cTn id="1" dur="indefinite" restart="never" nodeType="tmRoot"/>
-      </p:par>
-    </p:tnLst>
-  </p:timing>
 </p:sld>
 </file>
 
@@ -5445,7 +5523,7 @@
           <a:lstStyle/>
           <a:p>
             <a:r>
-              <a:rPr lang="en-US" smtClean="0"/>
+              <a:rPr lang="en-US" dirty="0" smtClean="0"/>
               <a:t>Demo</a:t>
             </a:r>
             <a:endParaRPr lang="en-US" dirty="0"/>
@@ -5467,7 +5545,7 @@
           <a:bodyPr/>
           <a:lstStyle/>
           <a:p>
-            <a:endParaRPr lang="zh-TW" altLang="en-US"/>
+            <a:endParaRPr lang="zh-TW" altLang="en-US" dirty="0"/>
           </a:p>
         </p:txBody>
       </p:sp>
@@ -5576,28 +5654,6 @@
       </p:sp>
       <p:sp>
         <p:nvSpPr>
-          <p:cNvPr id="3" name="Content Placeholder 2"/>
-          <p:cNvSpPr>
-            <a:spLocks noGrp="1"/>
-          </p:cNvSpPr>
-          <p:nvPr>
-            <p:ph idx="1"/>
-          </p:nvPr>
-        </p:nvSpPr>
-        <p:spPr/>
-        <p:txBody>
-          <a:bodyPr/>
-          <a:lstStyle/>
-          <a:p>
-            <a:endParaRPr lang="en-US" smtClean="0"/>
-          </a:p>
-          <a:p>
-            <a:endParaRPr lang="en-US" dirty="0"/>
-          </a:p>
-        </p:txBody>
-      </p:sp>
-      <p:sp>
-        <p:nvSpPr>
           <p:cNvPr id="4" name="Footer Placeholder 3"/>
           <p:cNvSpPr>
             <a:spLocks noGrp="1"/>
@@ -5636,6 +5692,39 @@
               <a:t>5</a:t>
             </a:fld>
             <a:endParaRPr lang="en-US" dirty="0"/>
+          </a:p>
+        </p:txBody>
+      </p:sp>
+      <p:sp>
+        <p:nvSpPr>
+          <p:cNvPr id="14" name="內容版面配置區 13"/>
+          <p:cNvSpPr>
+            <a:spLocks noGrp="1"/>
+          </p:cNvSpPr>
+          <p:nvPr>
+            <p:ph idx="1"/>
+          </p:nvPr>
+        </p:nvSpPr>
+        <p:spPr/>
+        <p:txBody>
+          <a:bodyPr/>
+          <a:lstStyle/>
+          <a:p>
+            <a:r>
+              <a:rPr lang="zh-TW" altLang="en-US" dirty="0" smtClean="0"/>
+              <a:t>防禦塔做成立體方塊方便移動</a:t>
+            </a:r>
+            <a:endParaRPr lang="en-US" altLang="zh-TW" dirty="0" smtClean="0"/>
+          </a:p>
+          <a:p>
+            <a:r>
+              <a:rPr lang="zh-TW" altLang="en-US" dirty="0" smtClean="0"/>
+              <a:t>更多防禦塔種類以供升級，以及多樣性的敵人</a:t>
+            </a:r>
+            <a:endParaRPr lang="en-US" altLang="zh-TW" dirty="0" smtClean="0"/>
+          </a:p>
+          <a:p>
+            <a:endParaRPr lang="zh-TW" altLang="en-US" dirty="0"/>
           </a:p>
         </p:txBody>
       </p:sp>
